--- a/Fourth Year/SEM VII/Mobile Computing - Prof. Preeti Godabole/MC-PPT/Unit 4-CRN.pptx
+++ b/Fourth Year/SEM VII/Mobile Computing - Prof. Preeti Godabole/MC-PPT/Unit 4-CRN.pptx
@@ -271,7 +271,7 @@
           <a:p>
             <a:fld id="{B065E873-0F24-453D-B148-0A1A5B9515E9}" type="datetimeFigureOut">
               <a:rPr lang="en-IN" smtClean="0"/>
-              <a:t>06-10-2022</a:t>
+              <a:t>13-10-2022</a:t>
             </a:fld>
             <a:endParaRPr lang="en-IN"/>
           </a:p>
@@ -441,7 +441,7 @@
           <a:p>
             <a:fld id="{B065E873-0F24-453D-B148-0A1A5B9515E9}" type="datetimeFigureOut">
               <a:rPr lang="en-IN" smtClean="0"/>
-              <a:t>06-10-2022</a:t>
+              <a:t>13-10-2022</a:t>
             </a:fld>
             <a:endParaRPr lang="en-IN"/>
           </a:p>
@@ -621,7 +621,7 @@
           <a:p>
             <a:fld id="{B065E873-0F24-453D-B148-0A1A5B9515E9}" type="datetimeFigureOut">
               <a:rPr lang="en-IN" smtClean="0"/>
-              <a:t>06-10-2022</a:t>
+              <a:t>13-10-2022</a:t>
             </a:fld>
             <a:endParaRPr lang="en-IN"/>
           </a:p>
@@ -791,7 +791,7 @@
           <a:p>
             <a:fld id="{B065E873-0F24-453D-B148-0A1A5B9515E9}" type="datetimeFigureOut">
               <a:rPr lang="en-IN" smtClean="0"/>
-              <a:t>06-10-2022</a:t>
+              <a:t>13-10-2022</a:t>
             </a:fld>
             <a:endParaRPr lang="en-IN"/>
           </a:p>
@@ -1037,7 +1037,7 @@
           <a:p>
             <a:fld id="{B065E873-0F24-453D-B148-0A1A5B9515E9}" type="datetimeFigureOut">
               <a:rPr lang="en-IN" smtClean="0"/>
-              <a:t>06-10-2022</a:t>
+              <a:t>13-10-2022</a:t>
             </a:fld>
             <a:endParaRPr lang="en-IN"/>
           </a:p>
@@ -1269,7 +1269,7 @@
           <a:p>
             <a:fld id="{B065E873-0F24-453D-B148-0A1A5B9515E9}" type="datetimeFigureOut">
               <a:rPr lang="en-IN" smtClean="0"/>
-              <a:t>06-10-2022</a:t>
+              <a:t>13-10-2022</a:t>
             </a:fld>
             <a:endParaRPr lang="en-IN"/>
           </a:p>
@@ -1636,7 +1636,7 @@
           <a:p>
             <a:fld id="{B065E873-0F24-453D-B148-0A1A5B9515E9}" type="datetimeFigureOut">
               <a:rPr lang="en-IN" smtClean="0"/>
-              <a:t>06-10-2022</a:t>
+              <a:t>13-10-2022</a:t>
             </a:fld>
             <a:endParaRPr lang="en-IN"/>
           </a:p>
@@ -1754,7 +1754,7 @@
           <a:p>
             <a:fld id="{B065E873-0F24-453D-B148-0A1A5B9515E9}" type="datetimeFigureOut">
               <a:rPr lang="en-IN" smtClean="0"/>
-              <a:t>06-10-2022</a:t>
+              <a:t>13-10-2022</a:t>
             </a:fld>
             <a:endParaRPr lang="en-IN"/>
           </a:p>
@@ -1849,7 +1849,7 @@
           <a:p>
             <a:fld id="{B065E873-0F24-453D-B148-0A1A5B9515E9}" type="datetimeFigureOut">
               <a:rPr lang="en-IN" smtClean="0"/>
-              <a:t>06-10-2022</a:t>
+              <a:t>13-10-2022</a:t>
             </a:fld>
             <a:endParaRPr lang="en-IN"/>
           </a:p>
@@ -2126,7 +2126,7 @@
           <a:p>
             <a:fld id="{B065E873-0F24-453D-B148-0A1A5B9515E9}" type="datetimeFigureOut">
               <a:rPr lang="en-IN" smtClean="0"/>
-              <a:t>06-10-2022</a:t>
+              <a:t>13-10-2022</a:t>
             </a:fld>
             <a:endParaRPr lang="en-IN"/>
           </a:p>
@@ -2383,7 +2383,7 @@
           <a:p>
             <a:fld id="{B065E873-0F24-453D-B148-0A1A5B9515E9}" type="datetimeFigureOut">
               <a:rPr lang="en-IN" smtClean="0"/>
-              <a:t>06-10-2022</a:t>
+              <a:t>13-10-2022</a:t>
             </a:fld>
             <a:endParaRPr lang="en-IN"/>
           </a:p>
@@ -2596,7 +2596,7 @@
           <a:p>
             <a:fld id="{B065E873-0F24-453D-B148-0A1A5B9515E9}" type="datetimeFigureOut">
               <a:rPr lang="en-IN" smtClean="0"/>
-              <a:t>06-10-2022</a:t>
+              <a:t>13-10-2022</a:t>
             </a:fld>
             <a:endParaRPr lang="en-IN"/>
           </a:p>
@@ -3200,10 +3200,13 @@
           </a:p>
           <a:p>
             <a:r>
+              <a:rPr lang="en-US" sz="2000" dirty="0" smtClean="0"/>
+              <a:t>. </a:t>
+            </a:r>
+            <a:r>
               <a:rPr lang="en-US" sz="2000" dirty="0"/>
               <a:t>The Spectrum sensing techniques are classified into 3 main types, </a:t>
             </a:r>
-            <a:endParaRPr lang="en-US" sz="2000" dirty="0" smtClean="0"/>
           </a:p>
           <a:p>
             <a:pPr marL="800100" lvl="1" indent="-342900">
@@ -3212,17 +3215,18 @@
             </a:pPr>
             <a:r>
               <a:rPr lang="en-US" sz="2000" dirty="0"/>
-              <a:t>	</a:t>
-            </a:r>
-            <a:r>
-              <a:rPr lang="en-US" sz="2000" dirty="0" smtClean="0"/>
-              <a:t>Transmitter </a:t>
-            </a:r>
+              <a:t>	Transmitter Detection (Non Cooperative Sensing), </a:t>
+            </a:r>
+          </a:p>
+          <a:p>
+            <a:pPr marL="800100" lvl="1" indent="-342900">
+              <a:buFont typeface="Arial" panose="020B0604020202020204" pitchFamily="34" charset="0"/>
+              <a:buChar char="•"/>
+            </a:pPr>
             <a:r>
               <a:rPr lang="en-US" sz="2000" dirty="0"/>
-              <a:t>Detection (Non Cooperative Sensing), </a:t>
-            </a:r>
-            <a:endParaRPr lang="en-US" sz="2000" dirty="0" smtClean="0"/>
+              <a:t>	Cooperative Sensing and </a:t>
+            </a:r>
           </a:p>
           <a:p>
             <a:pPr marL="800100" lvl="1" indent="-342900">
@@ -3231,34 +3235,7 @@
             </a:pPr>
             <a:r>
               <a:rPr lang="en-US" sz="2000" dirty="0"/>
-              <a:t>	</a:t>
-            </a:r>
-            <a:r>
-              <a:rPr lang="en-US" sz="2000" dirty="0" smtClean="0"/>
-              <a:t>Cooperative </a:t>
-            </a:r>
-            <a:r>
-              <a:rPr lang="en-US" sz="2000" dirty="0"/>
-              <a:t>Sensing and </a:t>
-            </a:r>
-            <a:endParaRPr lang="en-US" sz="2000" dirty="0" smtClean="0"/>
-          </a:p>
-          <a:p>
-            <a:pPr marL="800100" lvl="1" indent="-342900">
-              <a:buFont typeface="Arial" panose="020B0604020202020204" pitchFamily="34" charset="0"/>
-              <a:buChar char="•"/>
-            </a:pPr>
-            <a:r>
-              <a:rPr lang="en-US" sz="2000" dirty="0"/>
-              <a:t>	</a:t>
-            </a:r>
-            <a:r>
-              <a:rPr lang="en-US" sz="2000" dirty="0" smtClean="0"/>
-              <a:t>interference </a:t>
-            </a:r>
-            <a:r>
-              <a:rPr lang="en-US" sz="2000" dirty="0"/>
-              <a:t>based testing. </a:t>
+              <a:t>	interference based testing </a:t>
             </a:r>
             <a:endParaRPr lang="en-IN" sz="2000" dirty="0"/>
           </a:p>
@@ -6343,7 +6320,11 @@
           <a:bodyPr/>
           <a:lstStyle/>
           <a:p>
-            <a:endParaRPr lang="en-IN"/>
+            <a:r>
+              <a:rPr lang="en-US" dirty="0" smtClean="0"/>
+              <a:t>Applications of CRN</a:t>
+            </a:r>
+            <a:endParaRPr lang="en-IN" dirty="0"/>
           </a:p>
         </p:txBody>
       </p:sp>
@@ -6362,7 +6343,45 @@
           <a:bodyPr/>
           <a:lstStyle/>
           <a:p>
-            <a:endParaRPr lang="en-IN"/>
+            <a:r>
+              <a:rPr lang="en-US" dirty="0"/>
+              <a:t> It allows constructing a network of radio stations with the combination of cognitive radio nodes hence gives significant boost to the speed and availability of channels for the new secondary wireless networks</a:t>
+            </a:r>
+            <a:r>
+              <a:rPr lang="en-US" dirty="0" smtClean="0"/>
+              <a:t>.</a:t>
+            </a:r>
+          </a:p>
+          <a:p>
+            <a:r>
+              <a:rPr lang="en-US" dirty="0"/>
+              <a:t>There are two possibilities to access vacant channel. </a:t>
+            </a:r>
+            <a:endParaRPr lang="en-US" dirty="0" smtClean="0"/>
+          </a:p>
+          <a:p>
+            <a:pPr lvl="1"/>
+            <a:r>
+              <a:rPr lang="en-US" dirty="0" smtClean="0"/>
+              <a:t>One</a:t>
+            </a:r>
+            <a:r>
+              <a:rPr lang="en-US" dirty="0"/>
+              <a:t>, CR contact to multiple non CRs transmissions where femtocells get cognitive inspection, erect and then communicate with non CR mobiles. </a:t>
+            </a:r>
+            <a:endParaRPr lang="en-US" dirty="0" smtClean="0"/>
+          </a:p>
+          <a:p>
+            <a:pPr lvl="1"/>
+            <a:r>
+              <a:rPr lang="en-US" dirty="0" smtClean="0"/>
+              <a:t>Two</a:t>
+            </a:r>
+            <a:r>
+              <a:rPr lang="en-US" dirty="0"/>
+              <a:t>, CR networks would like to contact to the network and operate through the cognitive radio network. </a:t>
+            </a:r>
+            <a:endParaRPr lang="en-IN" dirty="0"/>
           </a:p>
         </p:txBody>
       </p:sp>
@@ -6722,7 +6741,15 @@
           <a:bodyPr/>
           <a:lstStyle/>
           <a:p>
-            <a:endParaRPr lang="en-IN"/>
+            <a:r>
+              <a:rPr lang="en-US" dirty="0" err="1" smtClean="0"/>
+              <a:t>Femto</a:t>
+            </a:r>
+            <a:r>
+              <a:rPr lang="en-US" dirty="0" smtClean="0"/>
+              <a:t> Cells</a:t>
+            </a:r>
+            <a:endParaRPr lang="en-IN" dirty="0"/>
           </a:p>
         </p:txBody>
       </p:sp>
@@ -6741,10 +6768,38 @@
           <a:bodyPr/>
           <a:lstStyle/>
           <a:p>
-            <a:endParaRPr lang="en-IN"/>
-          </a:p>
-        </p:txBody>
-      </p:sp>
+            <a:r>
+              <a:rPr lang="en-US" dirty="0"/>
+              <a:t>In telecommunications, a femtocell is a small, low-power cellular base station, typically designed for use in a home or small business. A broader term which is more widespread in the industry is small cell, with femtocell as a subset.</a:t>
+            </a:r>
+            <a:endParaRPr lang="en-IN" dirty="0"/>
+          </a:p>
+        </p:txBody>
+      </p:sp>
+      <p:pic>
+        <p:nvPicPr>
+          <p:cNvPr id="4" name="Picture 3"/>
+          <p:cNvPicPr>
+            <a:picLocks noChangeAspect="1"/>
+          </p:cNvPicPr>
+          <p:nvPr/>
+        </p:nvPicPr>
+        <p:blipFill>
+          <a:blip r:embed="rId3"/>
+          <a:stretch>
+            <a:fillRect/>
+          </a:stretch>
+        </p:blipFill>
+        <p:spPr>
+          <a:xfrm>
+            <a:off x="6383044" y="3597586"/>
+            <a:ext cx="4894555" cy="2874651"/>
+          </a:xfrm>
+          <a:prstGeom prst="rect">
+            <a:avLst/>
+          </a:prstGeom>
+        </p:spPr>
+      </p:pic>
     </p:spTree>
     <p:extLst>
       <p:ext uri="{BB962C8B-B14F-4D97-AF65-F5344CB8AC3E}">
